--- a/Week-4-Presentation/LASSO REGRESSION(updated_results).pptx
+++ b/Week-4-Presentation/LASSO REGRESSION(updated_results).pptx
@@ -265,7 +265,7 @@
           <a:p>
             <a:fld id="{1ACC0120-6793-4286-9E6F-4EEC18B3AA5C}" type="datetimeFigureOut">
               <a:rPr lang="en-IN" smtClean="0"/>
-              <a:t>26-02-2023</a:t>
+              <a:t>26-03-2023</a:t>
             </a:fld>
             <a:endParaRPr lang="en-IN"/>
           </a:p>
@@ -465,7 +465,7 @@
           <a:p>
             <a:fld id="{1ACC0120-6793-4286-9E6F-4EEC18B3AA5C}" type="datetimeFigureOut">
               <a:rPr lang="en-IN" smtClean="0"/>
-              <a:t>26-02-2023</a:t>
+              <a:t>26-03-2023</a:t>
             </a:fld>
             <a:endParaRPr lang="en-IN"/>
           </a:p>
@@ -675,7 +675,7 @@
           <a:p>
             <a:fld id="{1ACC0120-6793-4286-9E6F-4EEC18B3AA5C}" type="datetimeFigureOut">
               <a:rPr lang="en-IN" smtClean="0"/>
-              <a:t>26-02-2023</a:t>
+              <a:t>26-03-2023</a:t>
             </a:fld>
             <a:endParaRPr lang="en-IN"/>
           </a:p>
@@ -875,7 +875,7 @@
           <a:p>
             <a:fld id="{1ACC0120-6793-4286-9E6F-4EEC18B3AA5C}" type="datetimeFigureOut">
               <a:rPr lang="en-IN" smtClean="0"/>
-              <a:t>26-02-2023</a:t>
+              <a:t>26-03-2023</a:t>
             </a:fld>
             <a:endParaRPr lang="en-IN"/>
           </a:p>
@@ -1151,7 +1151,7 @@
           <a:p>
             <a:fld id="{1ACC0120-6793-4286-9E6F-4EEC18B3AA5C}" type="datetimeFigureOut">
               <a:rPr lang="en-IN" smtClean="0"/>
-              <a:t>26-02-2023</a:t>
+              <a:t>26-03-2023</a:t>
             </a:fld>
             <a:endParaRPr lang="en-IN"/>
           </a:p>
@@ -1419,7 +1419,7 @@
           <a:p>
             <a:fld id="{1ACC0120-6793-4286-9E6F-4EEC18B3AA5C}" type="datetimeFigureOut">
               <a:rPr lang="en-IN" smtClean="0"/>
-              <a:t>26-02-2023</a:t>
+              <a:t>26-03-2023</a:t>
             </a:fld>
             <a:endParaRPr lang="en-IN"/>
           </a:p>
@@ -1834,7 +1834,7 @@
           <a:p>
             <a:fld id="{1ACC0120-6793-4286-9E6F-4EEC18B3AA5C}" type="datetimeFigureOut">
               <a:rPr lang="en-IN" smtClean="0"/>
-              <a:t>26-02-2023</a:t>
+              <a:t>26-03-2023</a:t>
             </a:fld>
             <a:endParaRPr lang="en-IN"/>
           </a:p>
@@ -1976,7 +1976,7 @@
           <a:p>
             <a:fld id="{1ACC0120-6793-4286-9E6F-4EEC18B3AA5C}" type="datetimeFigureOut">
               <a:rPr lang="en-IN" smtClean="0"/>
-              <a:t>26-02-2023</a:t>
+              <a:t>26-03-2023</a:t>
             </a:fld>
             <a:endParaRPr lang="en-IN"/>
           </a:p>
@@ -2089,7 +2089,7 @@
           <a:p>
             <a:fld id="{1ACC0120-6793-4286-9E6F-4EEC18B3AA5C}" type="datetimeFigureOut">
               <a:rPr lang="en-IN" smtClean="0"/>
-              <a:t>26-02-2023</a:t>
+              <a:t>26-03-2023</a:t>
             </a:fld>
             <a:endParaRPr lang="en-IN"/>
           </a:p>
@@ -2402,7 +2402,7 @@
           <a:p>
             <a:fld id="{1ACC0120-6793-4286-9E6F-4EEC18B3AA5C}" type="datetimeFigureOut">
               <a:rPr lang="en-IN" smtClean="0"/>
-              <a:t>26-02-2023</a:t>
+              <a:t>26-03-2023</a:t>
             </a:fld>
             <a:endParaRPr lang="en-IN"/>
           </a:p>
@@ -2691,7 +2691,7 @@
           <a:p>
             <a:fld id="{1ACC0120-6793-4286-9E6F-4EEC18B3AA5C}" type="datetimeFigureOut">
               <a:rPr lang="en-IN" smtClean="0"/>
-              <a:t>26-02-2023</a:t>
+              <a:t>26-03-2023</a:t>
             </a:fld>
             <a:endParaRPr lang="en-IN"/>
           </a:p>
@@ -2934,7 +2934,7 @@
           <a:p>
             <a:fld id="{1ACC0120-6793-4286-9E6F-4EEC18B3AA5C}" type="datetimeFigureOut">
               <a:rPr lang="en-IN" smtClean="0"/>
-              <a:t>26-02-2023</a:t>
+              <a:t>26-03-2023</a:t>
             </a:fld>
             <a:endParaRPr lang="en-IN"/>
           </a:p>
@@ -5840,17 +5840,7 @@
             </a:pPr>
             <a:r>
               <a:rPr lang="en-IN" dirty="0"/>
-              <a:t>The R2_score is more in grid search than lasso regression.</a:t>
-            </a:r>
-          </a:p>
-          <a:p>
-            <a:pPr marL="514350" indent="-514350">
-              <a:buFont typeface="+mj-lt"/>
-              <a:buAutoNum type="arabicPeriod"/>
-            </a:pPr>
-            <a:r>
-              <a:rPr lang="en-IN" dirty="0"/>
-              <a:t>Grid searching is doing great job.</a:t>
+              <a:t>The R2_score is more in lasso regression.</a:t>
             </a:r>
           </a:p>
         </p:txBody>
